--- a/每一天.pptx
+++ b/每一天.pptx
@@ -313,7 +313,7 @@
             <a:fld id="{BA78112E-396C-441A-86C4-0C14BE2DFAD6}" type="datetimeFigureOut">
               <a:rPr lang="en-US" smtClean="0"/>
               <a:pPr/>
-              <a:t>1/8/2021</a:t>
+              <a:t>7/16/2022</a:t>
             </a:fld>
             <a:endParaRPr lang="en-US"/>
           </a:p>
@@ -485,7 +485,7 @@
             <a:fld id="{BA78112E-396C-441A-86C4-0C14BE2DFAD6}" type="datetimeFigureOut">
               <a:rPr lang="en-US" smtClean="0"/>
               <a:pPr/>
-              <a:t>1/8/2021</a:t>
+              <a:t>7/16/2022</a:t>
             </a:fld>
             <a:endParaRPr lang="en-US"/>
           </a:p>
@@ -667,7 +667,7 @@
             <a:fld id="{BA78112E-396C-441A-86C4-0C14BE2DFAD6}" type="datetimeFigureOut">
               <a:rPr lang="en-US" smtClean="0"/>
               <a:pPr/>
-              <a:t>1/8/2021</a:t>
+              <a:t>7/16/2022</a:t>
             </a:fld>
             <a:endParaRPr lang="en-US"/>
           </a:p>
@@ -839,7 +839,7 @@
             <a:fld id="{BA78112E-396C-441A-86C4-0C14BE2DFAD6}" type="datetimeFigureOut">
               <a:rPr lang="en-US" smtClean="0"/>
               <a:pPr/>
-              <a:t>1/8/2021</a:t>
+              <a:t>7/16/2022</a:t>
             </a:fld>
             <a:endParaRPr lang="en-US"/>
           </a:p>
@@ -1087,7 +1087,7 @@
             <a:fld id="{BA78112E-396C-441A-86C4-0C14BE2DFAD6}" type="datetimeFigureOut">
               <a:rPr lang="en-US" smtClean="0"/>
               <a:pPr/>
-              <a:t>1/8/2021</a:t>
+              <a:t>7/16/2022</a:t>
             </a:fld>
             <a:endParaRPr lang="en-US"/>
           </a:p>
@@ -1377,7 +1377,7 @@
             <a:fld id="{BA78112E-396C-441A-86C4-0C14BE2DFAD6}" type="datetimeFigureOut">
               <a:rPr lang="en-US" smtClean="0"/>
               <a:pPr/>
-              <a:t>1/8/2021</a:t>
+              <a:t>7/16/2022</a:t>
             </a:fld>
             <a:endParaRPr lang="en-US"/>
           </a:p>
@@ -1801,7 +1801,7 @@
             <a:fld id="{BA78112E-396C-441A-86C4-0C14BE2DFAD6}" type="datetimeFigureOut">
               <a:rPr lang="en-US" smtClean="0"/>
               <a:pPr/>
-              <a:t>1/8/2021</a:t>
+              <a:t>7/16/2022</a:t>
             </a:fld>
             <a:endParaRPr lang="en-US"/>
           </a:p>
@@ -1921,7 +1921,7 @@
             <a:fld id="{BA78112E-396C-441A-86C4-0C14BE2DFAD6}" type="datetimeFigureOut">
               <a:rPr lang="en-US" smtClean="0"/>
               <a:pPr/>
-              <a:t>1/8/2021</a:t>
+              <a:t>7/16/2022</a:t>
             </a:fld>
             <a:endParaRPr lang="en-US"/>
           </a:p>
@@ -2018,7 +2018,7 @@
             <a:fld id="{BA78112E-396C-441A-86C4-0C14BE2DFAD6}" type="datetimeFigureOut">
               <a:rPr lang="en-US" smtClean="0"/>
               <a:pPr/>
-              <a:t>1/8/2021</a:t>
+              <a:t>7/16/2022</a:t>
             </a:fld>
             <a:endParaRPr lang="en-US"/>
           </a:p>
@@ -2297,7 +2297,7 @@
             <a:fld id="{BA78112E-396C-441A-86C4-0C14BE2DFAD6}" type="datetimeFigureOut">
               <a:rPr lang="en-US" smtClean="0"/>
               <a:pPr/>
-              <a:t>1/8/2021</a:t>
+              <a:t>7/16/2022</a:t>
             </a:fld>
             <a:endParaRPr lang="en-US"/>
           </a:p>
@@ -2556,7 +2556,7 @@
             <a:fld id="{BA78112E-396C-441A-86C4-0C14BE2DFAD6}" type="datetimeFigureOut">
               <a:rPr lang="en-US" smtClean="0"/>
               <a:pPr/>
-              <a:t>1/8/2021</a:t>
+              <a:t>7/16/2022</a:t>
             </a:fld>
             <a:endParaRPr lang="en-US"/>
           </a:p>
@@ -2776,7 +2776,7 @@
             <a:fld id="{BA78112E-396C-441A-86C4-0C14BE2DFAD6}" type="datetimeFigureOut">
               <a:rPr lang="en-US" smtClean="0"/>
               <a:pPr/>
-              <a:t>1/8/2021</a:t>
+              <a:t>7/16/2022</a:t>
             </a:fld>
             <a:endParaRPr lang="en-US"/>
           </a:p>
@@ -3164,7 +3164,7 @@
         </p:nvSpPr>
         <p:spPr>
           <a:xfrm>
-            <a:off x="0" y="2857513"/>
+            <a:off x="0" y="2743200"/>
             <a:ext cx="12192000" cy="1143000"/>
           </a:xfrm>
         </p:spPr>
@@ -3189,24 +3189,7 @@
                 <a:latin typeface="微軟正黑體" pitchFamily="34" charset="-120"/>
                 <a:ea typeface="微軟正黑體" pitchFamily="34" charset="-120"/>
               </a:rPr>
-              <a:t>每</a:t>
-            </a:r>
-            <a:r>
-              <a:rPr lang="zh-TW" altLang="en-US" sz="7200" b="1" i="1" dirty="0">
-                <a:solidFill>
-                  <a:srgbClr val="660033"/>
-                </a:solidFill>
-                <a:effectLst>
-                  <a:outerShdw blurRad="38100" dist="38100" dir="2700000" algn="tl">
-                    <a:srgbClr val="000000">
-                      <a:alpha val="43137"/>
-                    </a:srgbClr>
-                  </a:outerShdw>
-                </a:effectLst>
-                <a:latin typeface="微軟正黑體" pitchFamily="34" charset="-120"/>
-                <a:ea typeface="微軟正黑體" pitchFamily="34" charset="-120"/>
-              </a:rPr>
-              <a:t>一天</a:t>
+              <a:t>每一天</a:t>
             </a:r>
           </a:p>
         </p:txBody>
@@ -3281,17 +3264,7 @@
                 <a:latin typeface="微軟正黑體" pitchFamily="34" charset="-120"/>
                 <a:ea typeface="微軟正黑體" pitchFamily="34" charset="-120"/>
               </a:rPr>
-              <a:t>每</a:t>
-            </a:r>
-            <a:r>
-              <a:rPr lang="zh-TW" altLang="en-US" sz="6400" b="1" dirty="0">
-                <a:solidFill>
-                  <a:srgbClr val="660033"/>
-                </a:solidFill>
-                <a:latin typeface="微軟正黑體" pitchFamily="34" charset="-120"/>
-                <a:ea typeface="微軟正黑體" pitchFamily="34" charset="-120"/>
-              </a:rPr>
-              <a:t>一天所度過的每一刻</a:t>
+              <a:t>每一天所度過的每一刻</a:t>
             </a:r>
             <a:endParaRPr lang="en-US" altLang="zh-TW" sz="6400" b="1" dirty="0">
               <a:solidFill>
@@ -3321,6 +3294,88 @@
               </a:solidFill>
               <a:latin typeface="微軟正黑體" pitchFamily="34" charset="-120"/>
               <a:ea typeface="微軟正黑體" pitchFamily="34" charset="-120"/>
+            </a:endParaRPr>
+          </a:p>
+        </p:txBody>
+      </p:sp>
+      <p:sp>
+        <p:nvSpPr>
+          <p:cNvPr id="3" name="TextBox 2"/>
+          <p:cNvSpPr txBox="1"/>
+          <p:nvPr/>
+        </p:nvSpPr>
+        <p:spPr>
+          <a:xfrm>
+            <a:off x="0" y="5105400"/>
+            <a:ext cx="12192000" cy="769441"/>
+          </a:xfrm>
+          <a:prstGeom prst="rect">
+            <a:avLst/>
+          </a:prstGeom>
+          <a:noFill/>
+        </p:spPr>
+        <p:txBody>
+          <a:bodyPr wrap="square" rtlCol="0">
+            <a:spAutoFit/>
+          </a:bodyPr>
+          <a:lstStyle/>
+          <a:p>
+            <a:pPr algn="ctr"/>
+            <a:r>
+              <a:rPr lang="en-US" sz="4400" b="1" dirty="0" smtClean="0">
+                <a:solidFill>
+                  <a:srgbClr val="660033"/>
+                </a:solidFill>
+                <a:latin typeface="Microsoft JhengHei" panose="020B0604030504040204" pitchFamily="34" charset="-120"/>
+                <a:ea typeface="Microsoft JhengHei" panose="020B0604030504040204" pitchFamily="34" charset="-120"/>
+              </a:rPr>
+              <a:t>( </a:t>
+            </a:r>
+            <a:r>
+              <a:rPr lang="zh-CN" altLang="en-US" sz="4400" b="1" dirty="0" smtClean="0">
+                <a:solidFill>
+                  <a:srgbClr val="660033"/>
+                </a:solidFill>
+                <a:latin typeface="Microsoft JhengHei" panose="020B0604030504040204" pitchFamily="34" charset="-120"/>
+                <a:ea typeface="Microsoft JhengHei" panose="020B0604030504040204" pitchFamily="34" charset="-120"/>
+              </a:rPr>
+              <a:t>正</a:t>
+            </a:r>
+            <a:r>
+              <a:rPr lang="en-US" altLang="zh-CN" sz="4400" b="1" dirty="0" smtClean="0">
+                <a:solidFill>
+                  <a:srgbClr val="660033"/>
+                </a:solidFill>
+                <a:latin typeface="Microsoft JhengHei" panose="020B0604030504040204" pitchFamily="34" charset="-120"/>
+                <a:ea typeface="Microsoft JhengHei" panose="020B0604030504040204" pitchFamily="34" charset="-120"/>
+              </a:rPr>
+              <a:t> 1</a:t>
+            </a:r>
+            <a:r>
+              <a:rPr lang="en-US" sz="4400" b="1" dirty="0" smtClean="0">
+                <a:solidFill>
+                  <a:srgbClr val="660033"/>
+                </a:solidFill>
+                <a:latin typeface="Microsoft JhengHei" panose="020B0604030504040204" pitchFamily="34" charset="-120"/>
+                <a:ea typeface="Microsoft JhengHei" panose="020B0604030504040204" pitchFamily="34" charset="-120"/>
+              </a:rPr>
+              <a:t> </a:t>
+            </a:r>
+            <a:r>
+              <a:rPr lang="en-US" sz="4400" b="1" dirty="0" smtClean="0">
+                <a:solidFill>
+                  <a:srgbClr val="660033"/>
+                </a:solidFill>
+                <a:latin typeface="Microsoft JhengHei" panose="020B0604030504040204" pitchFamily="34" charset="-120"/>
+                <a:ea typeface="Microsoft JhengHei" panose="020B0604030504040204" pitchFamily="34" charset="-120"/>
+              </a:rPr>
+              <a:t>)</a:t>
+            </a:r>
+            <a:endParaRPr lang="vi-VN" sz="4400" b="1" dirty="0">
+              <a:solidFill>
+                <a:srgbClr val="660033"/>
+              </a:solidFill>
+              <a:ea typeface="Microsoft JhengHei" panose="020B0604030504040204" pitchFamily="34" charset="-120"/>
             </a:endParaRPr>
           </a:p>
         </p:txBody>
@@ -3429,6 +3484,88 @@
           </a:p>
         </p:txBody>
       </p:sp>
+      <p:sp>
+        <p:nvSpPr>
+          <p:cNvPr id="3" name="TextBox 2"/>
+          <p:cNvSpPr txBox="1"/>
+          <p:nvPr/>
+        </p:nvSpPr>
+        <p:spPr>
+          <a:xfrm>
+            <a:off x="0" y="5105400"/>
+            <a:ext cx="12192000" cy="769441"/>
+          </a:xfrm>
+          <a:prstGeom prst="rect">
+            <a:avLst/>
+          </a:prstGeom>
+          <a:noFill/>
+        </p:spPr>
+        <p:txBody>
+          <a:bodyPr wrap="square" rtlCol="0">
+            <a:spAutoFit/>
+          </a:bodyPr>
+          <a:lstStyle/>
+          <a:p>
+            <a:pPr algn="ctr"/>
+            <a:r>
+              <a:rPr lang="en-US" sz="4400" b="1" dirty="0" smtClean="0">
+                <a:solidFill>
+                  <a:srgbClr val="660033"/>
+                </a:solidFill>
+                <a:latin typeface="Microsoft JhengHei" panose="020B0604030504040204" pitchFamily="34" charset="-120"/>
+                <a:ea typeface="Microsoft JhengHei" panose="020B0604030504040204" pitchFamily="34" charset="-120"/>
+              </a:rPr>
+              <a:t>( </a:t>
+            </a:r>
+            <a:r>
+              <a:rPr lang="zh-CN" altLang="en-US" sz="4400" b="1" dirty="0" smtClean="0">
+                <a:solidFill>
+                  <a:srgbClr val="660033"/>
+                </a:solidFill>
+                <a:latin typeface="Microsoft JhengHei" panose="020B0604030504040204" pitchFamily="34" charset="-120"/>
+                <a:ea typeface="Microsoft JhengHei" panose="020B0604030504040204" pitchFamily="34" charset="-120"/>
+              </a:rPr>
+              <a:t>正</a:t>
+            </a:r>
+            <a:r>
+              <a:rPr lang="en-US" altLang="zh-CN" sz="4400" b="1" dirty="0" smtClean="0">
+                <a:solidFill>
+                  <a:srgbClr val="660033"/>
+                </a:solidFill>
+                <a:latin typeface="Microsoft JhengHei" panose="020B0604030504040204" pitchFamily="34" charset="-120"/>
+                <a:ea typeface="Microsoft JhengHei" panose="020B0604030504040204" pitchFamily="34" charset="-120"/>
+              </a:rPr>
+              <a:t> 1</a:t>
+            </a:r>
+            <a:r>
+              <a:rPr lang="en-US" sz="4400" b="1" dirty="0" smtClean="0">
+                <a:solidFill>
+                  <a:srgbClr val="660033"/>
+                </a:solidFill>
+                <a:latin typeface="Microsoft JhengHei" panose="020B0604030504040204" pitchFamily="34" charset="-120"/>
+                <a:ea typeface="Microsoft JhengHei" panose="020B0604030504040204" pitchFamily="34" charset="-120"/>
+              </a:rPr>
+              <a:t> </a:t>
+            </a:r>
+            <a:r>
+              <a:rPr lang="en-US" sz="4400" b="1" dirty="0" smtClean="0">
+                <a:solidFill>
+                  <a:srgbClr val="660033"/>
+                </a:solidFill>
+                <a:latin typeface="Microsoft JhengHei" panose="020B0604030504040204" pitchFamily="34" charset="-120"/>
+                <a:ea typeface="Microsoft JhengHei" panose="020B0604030504040204" pitchFamily="34" charset="-120"/>
+              </a:rPr>
+              <a:t>)</a:t>
+            </a:r>
+            <a:endParaRPr lang="vi-VN" sz="4400" b="1" dirty="0">
+              <a:solidFill>
+                <a:srgbClr val="660033"/>
+              </a:solidFill>
+              <a:ea typeface="Microsoft JhengHei" panose="020B0604030504040204" pitchFamily="34" charset="-120"/>
+            </a:endParaRPr>
+          </a:p>
+        </p:txBody>
+      </p:sp>
     </p:spTree>
     <p:extLst>
       <p:ext uri="{BB962C8B-B14F-4D97-AF65-F5344CB8AC3E}">
@@ -3533,6 +3670,88 @@
           </a:p>
         </p:txBody>
       </p:sp>
+      <p:sp>
+        <p:nvSpPr>
+          <p:cNvPr id="3" name="TextBox 2"/>
+          <p:cNvSpPr txBox="1"/>
+          <p:nvPr/>
+        </p:nvSpPr>
+        <p:spPr>
+          <a:xfrm>
+            <a:off x="0" y="5105400"/>
+            <a:ext cx="12192000" cy="769441"/>
+          </a:xfrm>
+          <a:prstGeom prst="rect">
+            <a:avLst/>
+          </a:prstGeom>
+          <a:noFill/>
+        </p:spPr>
+        <p:txBody>
+          <a:bodyPr wrap="square" rtlCol="0">
+            <a:spAutoFit/>
+          </a:bodyPr>
+          <a:lstStyle/>
+          <a:p>
+            <a:pPr algn="ctr"/>
+            <a:r>
+              <a:rPr lang="en-US" sz="4400" b="1" dirty="0" smtClean="0">
+                <a:solidFill>
+                  <a:srgbClr val="660033"/>
+                </a:solidFill>
+                <a:latin typeface="Microsoft JhengHei" panose="020B0604030504040204" pitchFamily="34" charset="-120"/>
+                <a:ea typeface="Microsoft JhengHei" panose="020B0604030504040204" pitchFamily="34" charset="-120"/>
+              </a:rPr>
+              <a:t>( </a:t>
+            </a:r>
+            <a:r>
+              <a:rPr lang="zh-CN" altLang="en-US" sz="4400" b="1" dirty="0" smtClean="0">
+                <a:solidFill>
+                  <a:srgbClr val="660033"/>
+                </a:solidFill>
+                <a:latin typeface="Microsoft JhengHei" panose="020B0604030504040204" pitchFamily="34" charset="-120"/>
+                <a:ea typeface="Microsoft JhengHei" panose="020B0604030504040204" pitchFamily="34" charset="-120"/>
+              </a:rPr>
+              <a:t>正</a:t>
+            </a:r>
+            <a:r>
+              <a:rPr lang="en-US" altLang="zh-CN" sz="4400" b="1" dirty="0" smtClean="0">
+                <a:solidFill>
+                  <a:srgbClr val="660033"/>
+                </a:solidFill>
+                <a:latin typeface="Microsoft JhengHei" panose="020B0604030504040204" pitchFamily="34" charset="-120"/>
+                <a:ea typeface="Microsoft JhengHei" panose="020B0604030504040204" pitchFamily="34" charset="-120"/>
+              </a:rPr>
+              <a:t> 1</a:t>
+            </a:r>
+            <a:r>
+              <a:rPr lang="en-US" sz="4400" b="1" dirty="0" smtClean="0">
+                <a:solidFill>
+                  <a:srgbClr val="660033"/>
+                </a:solidFill>
+                <a:latin typeface="Microsoft JhengHei" panose="020B0604030504040204" pitchFamily="34" charset="-120"/>
+                <a:ea typeface="Microsoft JhengHei" panose="020B0604030504040204" pitchFamily="34" charset="-120"/>
+              </a:rPr>
+              <a:t> </a:t>
+            </a:r>
+            <a:r>
+              <a:rPr lang="en-US" sz="4400" b="1" dirty="0" smtClean="0">
+                <a:solidFill>
+                  <a:srgbClr val="660033"/>
+                </a:solidFill>
+                <a:latin typeface="Microsoft JhengHei" panose="020B0604030504040204" pitchFamily="34" charset="-120"/>
+                <a:ea typeface="Microsoft JhengHei" panose="020B0604030504040204" pitchFamily="34" charset="-120"/>
+              </a:rPr>
+              <a:t>)</a:t>
+            </a:r>
+            <a:endParaRPr lang="vi-VN" sz="4400" b="1" dirty="0">
+              <a:solidFill>
+                <a:srgbClr val="660033"/>
+              </a:solidFill>
+              <a:ea typeface="Microsoft JhengHei" panose="020B0604030504040204" pitchFamily="34" charset="-120"/>
+            </a:endParaRPr>
+          </a:p>
+        </p:txBody>
+      </p:sp>
     </p:spTree>
     <p:extLst>
       <p:ext uri="{BB962C8B-B14F-4D97-AF65-F5344CB8AC3E}">
@@ -3637,6 +3856,88 @@
           </a:p>
         </p:txBody>
       </p:sp>
+      <p:sp>
+        <p:nvSpPr>
+          <p:cNvPr id="3" name="TextBox 2"/>
+          <p:cNvSpPr txBox="1"/>
+          <p:nvPr/>
+        </p:nvSpPr>
+        <p:spPr>
+          <a:xfrm>
+            <a:off x="0" y="5105400"/>
+            <a:ext cx="12192000" cy="769441"/>
+          </a:xfrm>
+          <a:prstGeom prst="rect">
+            <a:avLst/>
+          </a:prstGeom>
+          <a:noFill/>
+        </p:spPr>
+        <p:txBody>
+          <a:bodyPr wrap="square" rtlCol="0">
+            <a:spAutoFit/>
+          </a:bodyPr>
+          <a:lstStyle/>
+          <a:p>
+            <a:pPr algn="ctr"/>
+            <a:r>
+              <a:rPr lang="en-US" sz="4400" b="1" dirty="0" smtClean="0">
+                <a:solidFill>
+                  <a:srgbClr val="660033"/>
+                </a:solidFill>
+                <a:latin typeface="Microsoft JhengHei" panose="020B0604030504040204" pitchFamily="34" charset="-120"/>
+                <a:ea typeface="Microsoft JhengHei" panose="020B0604030504040204" pitchFamily="34" charset="-120"/>
+              </a:rPr>
+              <a:t>( </a:t>
+            </a:r>
+            <a:r>
+              <a:rPr lang="zh-CN" altLang="en-US" sz="4400" b="1" dirty="0" smtClean="0">
+                <a:solidFill>
+                  <a:srgbClr val="660033"/>
+                </a:solidFill>
+                <a:latin typeface="Microsoft JhengHei" panose="020B0604030504040204" pitchFamily="34" charset="-120"/>
+                <a:ea typeface="Microsoft JhengHei" panose="020B0604030504040204" pitchFamily="34" charset="-120"/>
+              </a:rPr>
+              <a:t>正</a:t>
+            </a:r>
+            <a:r>
+              <a:rPr lang="en-US" altLang="zh-CN" sz="4400" b="1" dirty="0" smtClean="0">
+                <a:solidFill>
+                  <a:srgbClr val="660033"/>
+                </a:solidFill>
+                <a:latin typeface="Microsoft JhengHei" panose="020B0604030504040204" pitchFamily="34" charset="-120"/>
+                <a:ea typeface="Microsoft JhengHei" panose="020B0604030504040204" pitchFamily="34" charset="-120"/>
+              </a:rPr>
+              <a:t> 1</a:t>
+            </a:r>
+            <a:r>
+              <a:rPr lang="en-US" sz="4400" b="1" dirty="0" smtClean="0">
+                <a:solidFill>
+                  <a:srgbClr val="660033"/>
+                </a:solidFill>
+                <a:latin typeface="Microsoft JhengHei" panose="020B0604030504040204" pitchFamily="34" charset="-120"/>
+                <a:ea typeface="Microsoft JhengHei" panose="020B0604030504040204" pitchFamily="34" charset="-120"/>
+              </a:rPr>
+              <a:t> </a:t>
+            </a:r>
+            <a:r>
+              <a:rPr lang="en-US" sz="4400" b="1" dirty="0" smtClean="0">
+                <a:solidFill>
+                  <a:srgbClr val="660033"/>
+                </a:solidFill>
+                <a:latin typeface="Microsoft JhengHei" panose="020B0604030504040204" pitchFamily="34" charset="-120"/>
+                <a:ea typeface="Microsoft JhengHei" panose="020B0604030504040204" pitchFamily="34" charset="-120"/>
+              </a:rPr>
+              <a:t>)</a:t>
+            </a:r>
+            <a:endParaRPr lang="vi-VN" sz="4400" b="1" dirty="0">
+              <a:solidFill>
+                <a:srgbClr val="660033"/>
+              </a:solidFill>
+              <a:ea typeface="Microsoft JhengHei" panose="020B0604030504040204" pitchFamily="34" charset="-120"/>
+            </a:endParaRPr>
+          </a:p>
+        </p:txBody>
+      </p:sp>
     </p:spTree>
     <p:extLst>
       <p:ext uri="{BB962C8B-B14F-4D97-AF65-F5344CB8AC3E}">
@@ -3741,6 +4042,88 @@
           </a:p>
         </p:txBody>
       </p:sp>
+      <p:sp>
+        <p:nvSpPr>
+          <p:cNvPr id="3" name="TextBox 2"/>
+          <p:cNvSpPr txBox="1"/>
+          <p:nvPr/>
+        </p:nvSpPr>
+        <p:spPr>
+          <a:xfrm>
+            <a:off x="0" y="5105400"/>
+            <a:ext cx="12192000" cy="769441"/>
+          </a:xfrm>
+          <a:prstGeom prst="rect">
+            <a:avLst/>
+          </a:prstGeom>
+          <a:noFill/>
+        </p:spPr>
+        <p:txBody>
+          <a:bodyPr wrap="square" rtlCol="0">
+            <a:spAutoFit/>
+          </a:bodyPr>
+          <a:lstStyle/>
+          <a:p>
+            <a:pPr algn="ctr"/>
+            <a:r>
+              <a:rPr lang="en-US" sz="4400" b="1" dirty="0" smtClean="0">
+                <a:solidFill>
+                  <a:srgbClr val="660033"/>
+                </a:solidFill>
+                <a:latin typeface="Microsoft JhengHei" panose="020B0604030504040204" pitchFamily="34" charset="-120"/>
+                <a:ea typeface="Microsoft JhengHei" panose="020B0604030504040204" pitchFamily="34" charset="-120"/>
+              </a:rPr>
+              <a:t>( </a:t>
+            </a:r>
+            <a:r>
+              <a:rPr lang="zh-CN" altLang="en-US" sz="4400" b="1" dirty="0" smtClean="0">
+                <a:solidFill>
+                  <a:srgbClr val="660033"/>
+                </a:solidFill>
+                <a:latin typeface="Microsoft JhengHei" panose="020B0604030504040204" pitchFamily="34" charset="-120"/>
+                <a:ea typeface="Microsoft JhengHei" panose="020B0604030504040204" pitchFamily="34" charset="-120"/>
+              </a:rPr>
+              <a:t>正</a:t>
+            </a:r>
+            <a:r>
+              <a:rPr lang="en-US" altLang="zh-CN" sz="4400" b="1" dirty="0" smtClean="0">
+                <a:solidFill>
+                  <a:srgbClr val="660033"/>
+                </a:solidFill>
+                <a:latin typeface="Microsoft JhengHei" panose="020B0604030504040204" pitchFamily="34" charset="-120"/>
+                <a:ea typeface="Microsoft JhengHei" panose="020B0604030504040204" pitchFamily="34" charset="-120"/>
+              </a:rPr>
+              <a:t> 2</a:t>
+            </a:r>
+            <a:r>
+              <a:rPr lang="en-US" sz="4400" b="1" dirty="0" smtClean="0">
+                <a:solidFill>
+                  <a:srgbClr val="660033"/>
+                </a:solidFill>
+                <a:latin typeface="Microsoft JhengHei" panose="020B0604030504040204" pitchFamily="34" charset="-120"/>
+                <a:ea typeface="Microsoft JhengHei" panose="020B0604030504040204" pitchFamily="34" charset="-120"/>
+              </a:rPr>
+              <a:t> </a:t>
+            </a:r>
+            <a:r>
+              <a:rPr lang="en-US" sz="4400" b="1" dirty="0" smtClean="0">
+                <a:solidFill>
+                  <a:srgbClr val="660033"/>
+                </a:solidFill>
+                <a:latin typeface="Microsoft JhengHei" panose="020B0604030504040204" pitchFamily="34" charset="-120"/>
+                <a:ea typeface="Microsoft JhengHei" panose="020B0604030504040204" pitchFamily="34" charset="-120"/>
+              </a:rPr>
+              <a:t>)</a:t>
+            </a:r>
+            <a:endParaRPr lang="vi-VN" sz="4400" b="1" dirty="0">
+              <a:solidFill>
+                <a:srgbClr val="660033"/>
+              </a:solidFill>
+              <a:ea typeface="Microsoft JhengHei" panose="020B0604030504040204" pitchFamily="34" charset="-120"/>
+            </a:endParaRPr>
+          </a:p>
+        </p:txBody>
+      </p:sp>
     </p:spTree>
     <p:extLst>
       <p:ext uri="{BB962C8B-B14F-4D97-AF65-F5344CB8AC3E}">
@@ -3845,6 +4228,88 @@
           </a:p>
         </p:txBody>
       </p:sp>
+      <p:sp>
+        <p:nvSpPr>
+          <p:cNvPr id="3" name="TextBox 2"/>
+          <p:cNvSpPr txBox="1"/>
+          <p:nvPr/>
+        </p:nvSpPr>
+        <p:spPr>
+          <a:xfrm>
+            <a:off x="0" y="5105400"/>
+            <a:ext cx="12192000" cy="769441"/>
+          </a:xfrm>
+          <a:prstGeom prst="rect">
+            <a:avLst/>
+          </a:prstGeom>
+          <a:noFill/>
+        </p:spPr>
+        <p:txBody>
+          <a:bodyPr wrap="square" rtlCol="0">
+            <a:spAutoFit/>
+          </a:bodyPr>
+          <a:lstStyle/>
+          <a:p>
+            <a:pPr algn="ctr"/>
+            <a:r>
+              <a:rPr lang="en-US" sz="4400" b="1" dirty="0" smtClean="0">
+                <a:solidFill>
+                  <a:srgbClr val="660033"/>
+                </a:solidFill>
+                <a:latin typeface="Microsoft JhengHei" panose="020B0604030504040204" pitchFamily="34" charset="-120"/>
+                <a:ea typeface="Microsoft JhengHei" panose="020B0604030504040204" pitchFamily="34" charset="-120"/>
+              </a:rPr>
+              <a:t>( </a:t>
+            </a:r>
+            <a:r>
+              <a:rPr lang="zh-CN" altLang="en-US" sz="4400" b="1" dirty="0" smtClean="0">
+                <a:solidFill>
+                  <a:srgbClr val="660033"/>
+                </a:solidFill>
+                <a:latin typeface="Microsoft JhengHei" panose="020B0604030504040204" pitchFamily="34" charset="-120"/>
+                <a:ea typeface="Microsoft JhengHei" panose="020B0604030504040204" pitchFamily="34" charset="-120"/>
+              </a:rPr>
+              <a:t>正</a:t>
+            </a:r>
+            <a:r>
+              <a:rPr lang="en-US" altLang="zh-CN" sz="4400" b="1" dirty="0" smtClean="0">
+                <a:solidFill>
+                  <a:srgbClr val="660033"/>
+                </a:solidFill>
+                <a:latin typeface="Microsoft JhengHei" panose="020B0604030504040204" pitchFamily="34" charset="-120"/>
+                <a:ea typeface="Microsoft JhengHei" panose="020B0604030504040204" pitchFamily="34" charset="-120"/>
+              </a:rPr>
+              <a:t> 2</a:t>
+            </a:r>
+            <a:r>
+              <a:rPr lang="en-US" sz="4400" b="1" dirty="0" smtClean="0">
+                <a:solidFill>
+                  <a:srgbClr val="660033"/>
+                </a:solidFill>
+                <a:latin typeface="Microsoft JhengHei" panose="020B0604030504040204" pitchFamily="34" charset="-120"/>
+                <a:ea typeface="Microsoft JhengHei" panose="020B0604030504040204" pitchFamily="34" charset="-120"/>
+              </a:rPr>
+              <a:t> </a:t>
+            </a:r>
+            <a:r>
+              <a:rPr lang="en-US" sz="4400" b="1" dirty="0" smtClean="0">
+                <a:solidFill>
+                  <a:srgbClr val="660033"/>
+                </a:solidFill>
+                <a:latin typeface="Microsoft JhengHei" panose="020B0604030504040204" pitchFamily="34" charset="-120"/>
+                <a:ea typeface="Microsoft JhengHei" panose="020B0604030504040204" pitchFamily="34" charset="-120"/>
+              </a:rPr>
+              <a:t>)</a:t>
+            </a:r>
+            <a:endParaRPr lang="vi-VN" sz="4400" b="1" dirty="0">
+              <a:solidFill>
+                <a:srgbClr val="660033"/>
+              </a:solidFill>
+              <a:ea typeface="Microsoft JhengHei" panose="020B0604030504040204" pitchFamily="34" charset="-120"/>
+            </a:endParaRPr>
+          </a:p>
+        </p:txBody>
+      </p:sp>
     </p:spTree>
     <p:extLst>
       <p:ext uri="{BB962C8B-B14F-4D97-AF65-F5344CB8AC3E}">
@@ -3949,6 +4414,88 @@
           </a:p>
         </p:txBody>
       </p:sp>
+      <p:sp>
+        <p:nvSpPr>
+          <p:cNvPr id="3" name="TextBox 2"/>
+          <p:cNvSpPr txBox="1"/>
+          <p:nvPr/>
+        </p:nvSpPr>
+        <p:spPr>
+          <a:xfrm>
+            <a:off x="0" y="5105400"/>
+            <a:ext cx="12192000" cy="769441"/>
+          </a:xfrm>
+          <a:prstGeom prst="rect">
+            <a:avLst/>
+          </a:prstGeom>
+          <a:noFill/>
+        </p:spPr>
+        <p:txBody>
+          <a:bodyPr wrap="square" rtlCol="0">
+            <a:spAutoFit/>
+          </a:bodyPr>
+          <a:lstStyle/>
+          <a:p>
+            <a:pPr algn="ctr"/>
+            <a:r>
+              <a:rPr lang="en-US" sz="4400" b="1" dirty="0" smtClean="0">
+                <a:solidFill>
+                  <a:srgbClr val="660033"/>
+                </a:solidFill>
+                <a:latin typeface="Microsoft JhengHei" panose="020B0604030504040204" pitchFamily="34" charset="-120"/>
+                <a:ea typeface="Microsoft JhengHei" panose="020B0604030504040204" pitchFamily="34" charset="-120"/>
+              </a:rPr>
+              <a:t>( </a:t>
+            </a:r>
+            <a:r>
+              <a:rPr lang="zh-CN" altLang="en-US" sz="4400" b="1" dirty="0" smtClean="0">
+                <a:solidFill>
+                  <a:srgbClr val="660033"/>
+                </a:solidFill>
+                <a:latin typeface="Microsoft JhengHei" panose="020B0604030504040204" pitchFamily="34" charset="-120"/>
+                <a:ea typeface="Microsoft JhengHei" panose="020B0604030504040204" pitchFamily="34" charset="-120"/>
+              </a:rPr>
+              <a:t>正</a:t>
+            </a:r>
+            <a:r>
+              <a:rPr lang="en-US" altLang="zh-CN" sz="4400" b="1" dirty="0" smtClean="0">
+                <a:solidFill>
+                  <a:srgbClr val="660033"/>
+                </a:solidFill>
+                <a:latin typeface="Microsoft JhengHei" panose="020B0604030504040204" pitchFamily="34" charset="-120"/>
+                <a:ea typeface="Microsoft JhengHei" panose="020B0604030504040204" pitchFamily="34" charset="-120"/>
+              </a:rPr>
+              <a:t> 2</a:t>
+            </a:r>
+            <a:r>
+              <a:rPr lang="en-US" sz="4400" b="1" dirty="0" smtClean="0">
+                <a:solidFill>
+                  <a:srgbClr val="660033"/>
+                </a:solidFill>
+                <a:latin typeface="Microsoft JhengHei" panose="020B0604030504040204" pitchFamily="34" charset="-120"/>
+                <a:ea typeface="Microsoft JhengHei" panose="020B0604030504040204" pitchFamily="34" charset="-120"/>
+              </a:rPr>
+              <a:t> </a:t>
+            </a:r>
+            <a:r>
+              <a:rPr lang="en-US" sz="4400" b="1" dirty="0" smtClean="0">
+                <a:solidFill>
+                  <a:srgbClr val="660033"/>
+                </a:solidFill>
+                <a:latin typeface="Microsoft JhengHei" panose="020B0604030504040204" pitchFamily="34" charset="-120"/>
+                <a:ea typeface="Microsoft JhengHei" panose="020B0604030504040204" pitchFamily="34" charset="-120"/>
+              </a:rPr>
+              <a:t>)</a:t>
+            </a:r>
+            <a:endParaRPr lang="vi-VN" sz="4400" b="1" dirty="0">
+              <a:solidFill>
+                <a:srgbClr val="660033"/>
+              </a:solidFill>
+              <a:ea typeface="Microsoft JhengHei" panose="020B0604030504040204" pitchFamily="34" charset="-120"/>
+            </a:endParaRPr>
+          </a:p>
+        </p:txBody>
+      </p:sp>
     </p:spTree>
     <p:extLst>
       <p:ext uri="{BB962C8B-B14F-4D97-AF65-F5344CB8AC3E}">
@@ -4049,6 +4596,88 @@
               </a:solidFill>
               <a:latin typeface="微軟正黑體" pitchFamily="34" charset="-120"/>
               <a:ea typeface="微軟正黑體" pitchFamily="34" charset="-120"/>
+            </a:endParaRPr>
+          </a:p>
+        </p:txBody>
+      </p:sp>
+      <p:sp>
+        <p:nvSpPr>
+          <p:cNvPr id="3" name="TextBox 2"/>
+          <p:cNvSpPr txBox="1"/>
+          <p:nvPr/>
+        </p:nvSpPr>
+        <p:spPr>
+          <a:xfrm>
+            <a:off x="0" y="5105400"/>
+            <a:ext cx="12192000" cy="769441"/>
+          </a:xfrm>
+          <a:prstGeom prst="rect">
+            <a:avLst/>
+          </a:prstGeom>
+          <a:noFill/>
+        </p:spPr>
+        <p:txBody>
+          <a:bodyPr wrap="square" rtlCol="0">
+            <a:spAutoFit/>
+          </a:bodyPr>
+          <a:lstStyle/>
+          <a:p>
+            <a:pPr algn="ctr"/>
+            <a:r>
+              <a:rPr lang="en-US" sz="4400" b="1" dirty="0" smtClean="0">
+                <a:solidFill>
+                  <a:srgbClr val="660033"/>
+                </a:solidFill>
+                <a:latin typeface="Microsoft JhengHei" panose="020B0604030504040204" pitchFamily="34" charset="-120"/>
+                <a:ea typeface="Microsoft JhengHei" panose="020B0604030504040204" pitchFamily="34" charset="-120"/>
+              </a:rPr>
+              <a:t>( </a:t>
+            </a:r>
+            <a:r>
+              <a:rPr lang="zh-CN" altLang="en-US" sz="4400" b="1" dirty="0" smtClean="0">
+                <a:solidFill>
+                  <a:srgbClr val="660033"/>
+                </a:solidFill>
+                <a:latin typeface="Microsoft JhengHei" panose="020B0604030504040204" pitchFamily="34" charset="-120"/>
+                <a:ea typeface="Microsoft JhengHei" panose="020B0604030504040204" pitchFamily="34" charset="-120"/>
+              </a:rPr>
+              <a:t>正</a:t>
+            </a:r>
+            <a:r>
+              <a:rPr lang="en-US" altLang="zh-CN" sz="4400" b="1" dirty="0" smtClean="0">
+                <a:solidFill>
+                  <a:srgbClr val="660033"/>
+                </a:solidFill>
+                <a:latin typeface="Microsoft JhengHei" panose="020B0604030504040204" pitchFamily="34" charset="-120"/>
+                <a:ea typeface="Microsoft JhengHei" panose="020B0604030504040204" pitchFamily="34" charset="-120"/>
+              </a:rPr>
+              <a:t> 2</a:t>
+            </a:r>
+            <a:r>
+              <a:rPr lang="en-US" sz="4400" b="1" dirty="0" smtClean="0">
+                <a:solidFill>
+                  <a:srgbClr val="660033"/>
+                </a:solidFill>
+                <a:latin typeface="Microsoft JhengHei" panose="020B0604030504040204" pitchFamily="34" charset="-120"/>
+                <a:ea typeface="Microsoft JhengHei" panose="020B0604030504040204" pitchFamily="34" charset="-120"/>
+              </a:rPr>
+              <a:t> </a:t>
+            </a:r>
+            <a:r>
+              <a:rPr lang="en-US" sz="4400" b="1" dirty="0" smtClean="0">
+                <a:solidFill>
+                  <a:srgbClr val="660033"/>
+                </a:solidFill>
+                <a:latin typeface="Microsoft JhengHei" panose="020B0604030504040204" pitchFamily="34" charset="-120"/>
+                <a:ea typeface="Microsoft JhengHei" panose="020B0604030504040204" pitchFamily="34" charset="-120"/>
+              </a:rPr>
+              <a:t>)</a:t>
+            </a:r>
+            <a:endParaRPr lang="vi-VN" sz="4400" b="1" dirty="0">
+              <a:solidFill>
+                <a:srgbClr val="660033"/>
+              </a:solidFill>
+              <a:ea typeface="Microsoft JhengHei" panose="020B0604030504040204" pitchFamily="34" charset="-120"/>
             </a:endParaRPr>
           </a:p>
         </p:txBody>
